--- a/Docs/תרגיל חזרה - מונחה עצמים.pptx
+++ b/Docs/תרגיל חזרה - מונחה עצמים.pptx
@@ -29,7 +29,7 @@
     <p:sldId id="352" r:id="rId17"/>
     <p:sldId id="353" r:id="rId18"/>
     <p:sldId id="354" r:id="rId19"/>
-    <p:sldId id="355" r:id="rId20"/>
+    <p:sldId id="356" r:id="rId20"/>
   </p:sldIdLst>
   <p:sldSz cx="12192000" cy="6858000"/>
   <p:notesSz cx="6858000" cy="9144000"/>
@@ -8519,13 +8519,13 @@
   <p:clrMapOvr>
     <a:masterClrMapping/>
   </p:clrMapOvr>
-  <mc:AlternateContent xmlns:mc="http://schemas.openxmlformats.org/markup-compatibility/2006">
-    <mc:Choice xmlns:p14="http://schemas.microsoft.com/office/powerpoint/2010/main" Requires="p14">
+  <mc:AlternateContent xmlns:mc="http://schemas.openxmlformats.org/markup-compatibility/2006" xmlns:p14="http://schemas.microsoft.com/office/powerpoint/2010/main">
+    <mc:Choice Requires="p14">
       <p:transition spd="med" p14:dur="700">
         <p:fade/>
       </p:transition>
     </mc:Choice>
-    <mc:Fallback>
+    <mc:Fallback xmlns="">
       <p:transition spd="med">
         <p:fade/>
       </p:transition>
@@ -8621,13 +8621,13 @@
   <p:clrMapOvr>
     <a:masterClrMapping/>
   </p:clrMapOvr>
-  <mc:AlternateContent xmlns:mc="http://schemas.openxmlformats.org/markup-compatibility/2006">
-    <mc:Choice xmlns:p14="http://schemas.microsoft.com/office/powerpoint/2010/main" Requires="p14">
+  <mc:AlternateContent xmlns:mc="http://schemas.openxmlformats.org/markup-compatibility/2006" xmlns:p14="http://schemas.microsoft.com/office/powerpoint/2010/main">
+    <mc:Choice Requires="p14">
       <p:transition spd="med" p14:dur="700">
         <p:fade/>
       </p:transition>
     </mc:Choice>
-    <mc:Fallback>
+    <mc:Fallback xmlns="">
       <p:transition spd="med">
         <p:fade/>
       </p:transition>
@@ -8722,13 +8722,13 @@
   <p:clrMapOvr>
     <a:masterClrMapping/>
   </p:clrMapOvr>
-  <mc:AlternateContent xmlns:mc="http://schemas.openxmlformats.org/markup-compatibility/2006">
-    <mc:Choice xmlns:p14="http://schemas.microsoft.com/office/powerpoint/2010/main" Requires="p14">
+  <mc:AlternateContent xmlns:mc="http://schemas.openxmlformats.org/markup-compatibility/2006" xmlns:p14="http://schemas.microsoft.com/office/powerpoint/2010/main">
+    <mc:Choice Requires="p14">
       <p:transition spd="med" p14:dur="700">
         <p:fade/>
       </p:transition>
     </mc:Choice>
-    <mc:Fallback>
+    <mc:Fallback xmlns="">
       <p:transition spd="med">
         <p:fade/>
       </p:transition>
@@ -8823,13 +8823,13 @@
   <p:clrMapOvr>
     <a:masterClrMapping/>
   </p:clrMapOvr>
-  <mc:AlternateContent xmlns:mc="http://schemas.openxmlformats.org/markup-compatibility/2006">
-    <mc:Choice xmlns:p14="http://schemas.microsoft.com/office/powerpoint/2010/main" Requires="p14">
+  <mc:AlternateContent xmlns:mc="http://schemas.openxmlformats.org/markup-compatibility/2006" xmlns:p14="http://schemas.microsoft.com/office/powerpoint/2010/main">
+    <mc:Choice Requires="p14">
       <p:transition spd="med" p14:dur="700">
         <p:fade/>
       </p:transition>
     </mc:Choice>
-    <mc:Fallback>
+    <mc:Fallback xmlns="">
       <p:transition spd="med">
         <p:fade/>
       </p:transition>
@@ -8924,13 +8924,13 @@
   <p:clrMapOvr>
     <a:masterClrMapping/>
   </p:clrMapOvr>
-  <mc:AlternateContent xmlns:mc="http://schemas.openxmlformats.org/markup-compatibility/2006">
-    <mc:Choice xmlns:p14="http://schemas.microsoft.com/office/powerpoint/2010/main" Requires="p14">
+  <mc:AlternateContent xmlns:mc="http://schemas.openxmlformats.org/markup-compatibility/2006" xmlns:p14="http://schemas.microsoft.com/office/powerpoint/2010/main">
+    <mc:Choice Requires="p14">
       <p:transition spd="med" p14:dur="700">
         <p:fade/>
       </p:transition>
     </mc:Choice>
-    <mc:Fallback>
+    <mc:Fallback xmlns="">
       <p:transition spd="med">
         <p:fade/>
       </p:transition>
@@ -9033,13 +9033,13 @@
   <p:clrMapOvr>
     <a:masterClrMapping/>
   </p:clrMapOvr>
-  <mc:AlternateContent xmlns:mc="http://schemas.openxmlformats.org/markup-compatibility/2006">
-    <mc:Choice xmlns:p14="http://schemas.microsoft.com/office/powerpoint/2010/main" Requires="p14">
+  <mc:AlternateContent xmlns:mc="http://schemas.openxmlformats.org/markup-compatibility/2006" xmlns:p14="http://schemas.microsoft.com/office/powerpoint/2010/main">
+    <mc:Choice Requires="p14">
       <p:transition spd="med" p14:dur="700">
         <p:fade/>
       </p:transition>
     </mc:Choice>
-    <mc:Fallback>
+    <mc:Fallback xmlns="">
       <p:transition spd="med">
         <p:fade/>
       </p:transition>
@@ -9139,13 +9139,13 @@
   <p:clrMapOvr>
     <a:masterClrMapping/>
   </p:clrMapOvr>
-  <mc:AlternateContent xmlns:mc="http://schemas.openxmlformats.org/markup-compatibility/2006">
-    <mc:Choice xmlns:p14="http://schemas.microsoft.com/office/powerpoint/2010/main" Requires="p14">
+  <mc:AlternateContent xmlns:mc="http://schemas.openxmlformats.org/markup-compatibility/2006" xmlns:p14="http://schemas.microsoft.com/office/powerpoint/2010/main">
+    <mc:Choice Requires="p14">
       <p:transition spd="med" p14:dur="700">
         <p:fade/>
       </p:transition>
     </mc:Choice>
-    <mc:Fallback>
+    <mc:Fallback xmlns="">
       <p:transition spd="med">
         <p:fade/>
       </p:transition>
@@ -9245,13 +9245,13 @@
   <p:clrMapOvr>
     <a:masterClrMapping/>
   </p:clrMapOvr>
-  <mc:AlternateContent xmlns:mc="http://schemas.openxmlformats.org/markup-compatibility/2006">
-    <mc:Choice xmlns:p14="http://schemas.microsoft.com/office/powerpoint/2010/main" Requires="p14">
+  <mc:AlternateContent xmlns:mc="http://schemas.openxmlformats.org/markup-compatibility/2006" xmlns:p14="http://schemas.microsoft.com/office/powerpoint/2010/main">
+    <mc:Choice Requires="p14">
       <p:transition spd="med" p14:dur="700">
         <p:fade/>
       </p:transition>
     </mc:Choice>
-    <mc:Fallback>
+    <mc:Fallback xmlns="">
       <p:transition spd="med">
         <p:fade/>
       </p:transition>
@@ -9351,13 +9351,13 @@
   <p:clrMapOvr>
     <a:masterClrMapping/>
   </p:clrMapOvr>
-  <mc:AlternateContent xmlns:mc="http://schemas.openxmlformats.org/markup-compatibility/2006">
-    <mc:Choice xmlns:p14="http://schemas.microsoft.com/office/powerpoint/2010/main" Requires="p14">
+  <mc:AlternateContent xmlns:mc="http://schemas.openxmlformats.org/markup-compatibility/2006" xmlns:p14="http://schemas.microsoft.com/office/powerpoint/2010/main">
+    <mc:Choice Requires="p14">
       <p:transition spd="med" p14:dur="700">
         <p:fade/>
       </p:transition>
     </mc:Choice>
-    <mc:Fallback>
+    <mc:Fallback xmlns="">
       <p:transition spd="med">
         <p:fade/>
       </p:transition>
@@ -9407,7 +9407,15 @@
           <a:p>
             <a:r>
               <a:rPr lang="he-IL" altLang="en-US" sz="2400" dirty="0"/>
-              <a:t>לינק לקוד של התרגיל:</a:t>
+              <a:t>תרשים </a:t>
+            </a:r>
+            <a:r>
+              <a:rPr lang="en-US" altLang="en-US" sz="2400" dirty="0"/>
+              <a:t>UML</a:t>
+            </a:r>
+            <a:r>
+              <a:rPr lang="he-IL" altLang="en-US" sz="2400" dirty="0"/>
+              <a:t> ולינק לקוד של התרגיל:</a:t>
             </a:r>
             <a:endParaRPr lang="he-IL" sz="2400" dirty="0"/>
           </a:p>
@@ -9427,7 +9435,7 @@
         </p:nvSpPr>
         <p:spPr>
           <a:xfrm>
-            <a:off x="695400" y="1124744"/>
+            <a:off x="-384720" y="5877272"/>
             <a:ext cx="6096000" cy="369332"/>
           </a:xfrm>
           <a:prstGeom prst="rect">
@@ -9469,23 +9477,93 @@
           </a:p>
         </p:txBody>
       </p:sp>
+      <p:pic>
+        <p:nvPicPr>
+          <p:cNvPr id="4" name="Picture 3">
+            <a:extLst>
+              <a:ext uri="{FF2B5EF4-FFF2-40B4-BE49-F238E27FC236}">
+                <a16:creationId xmlns:a16="http://schemas.microsoft.com/office/drawing/2014/main" id="{EC46C3CE-8652-82C1-96A6-A64080841CAC}"/>
+              </a:ext>
+            </a:extLst>
+          </p:cNvPr>
+          <p:cNvPicPr>
+            <a:picLocks noChangeAspect="1"/>
+          </p:cNvPicPr>
+          <p:nvPr/>
+        </p:nvPicPr>
+        <p:blipFill>
+          <a:blip r:embed="rId4"/>
+          <a:stretch>
+            <a:fillRect/>
+          </a:stretch>
+        </p:blipFill>
+        <p:spPr>
+          <a:xfrm>
+            <a:off x="695400" y="476672"/>
+            <a:ext cx="6050773" cy="4869160"/>
+          </a:xfrm>
+          <a:prstGeom prst="rect">
+            <a:avLst/>
+          </a:prstGeom>
+        </p:spPr>
+      </p:pic>
+      <p:cxnSp>
+        <p:nvCxnSpPr>
+          <p:cNvPr id="6" name="Straight Arrow Connector 5">
+            <a:extLst>
+              <a:ext uri="{FF2B5EF4-FFF2-40B4-BE49-F238E27FC236}">
+                <a16:creationId xmlns:a16="http://schemas.microsoft.com/office/drawing/2014/main" id="{DB85F51B-44DC-3069-C92A-2BDE7905DADA}"/>
+              </a:ext>
+            </a:extLst>
+          </p:cNvPr>
+          <p:cNvCxnSpPr/>
+          <p:nvPr/>
+        </p:nvCxnSpPr>
+        <p:spPr>
+          <a:xfrm flipH="1">
+            <a:off x="2783632" y="1412776"/>
+            <a:ext cx="1440160" cy="0"/>
+          </a:xfrm>
+          <a:prstGeom prst="straightConnector1">
+            <a:avLst/>
+          </a:prstGeom>
+          <a:ln w="69850">
+            <a:headEnd type="diamond"/>
+            <a:tailEnd type="triangle"/>
+          </a:ln>
+        </p:spPr>
+        <p:style>
+          <a:lnRef idx="1">
+            <a:schemeClr val="accent1"/>
+          </a:lnRef>
+          <a:fillRef idx="0">
+            <a:schemeClr val="accent1"/>
+          </a:fillRef>
+          <a:effectRef idx="0">
+            <a:schemeClr val="accent1"/>
+          </a:effectRef>
+          <a:fontRef idx="minor">
+            <a:schemeClr val="tx1"/>
+          </a:fontRef>
+        </p:style>
+      </p:cxnSp>
     </p:spTree>
     <p:extLst>
       <p:ext uri="{BB962C8B-B14F-4D97-AF65-F5344CB8AC3E}">
-        <p14:creationId xmlns:p14="http://schemas.microsoft.com/office/powerpoint/2010/main" val="3892240653"/>
+        <p14:creationId xmlns:p14="http://schemas.microsoft.com/office/powerpoint/2010/main" val="538815217"/>
       </p:ext>
     </p:extLst>
   </p:cSld>
   <p:clrMapOvr>
     <a:masterClrMapping/>
   </p:clrMapOvr>
-  <mc:AlternateContent xmlns:mc="http://schemas.openxmlformats.org/markup-compatibility/2006">
-    <mc:Choice xmlns:p14="http://schemas.microsoft.com/office/powerpoint/2010/main" Requires="p14">
+  <mc:AlternateContent xmlns:mc="http://schemas.openxmlformats.org/markup-compatibility/2006" xmlns:p14="http://schemas.microsoft.com/office/powerpoint/2010/main">
+    <mc:Choice Requires="p14">
       <p:transition spd="med" p14:dur="700">
         <p:fade/>
       </p:transition>
     </mc:Choice>
-    <mc:Fallback>
+    <mc:Fallback xmlns="">
       <p:transition spd="med">
         <p:fade/>
       </p:transition>
@@ -9871,13 +9949,13 @@
   <p:clrMapOvr>
     <a:masterClrMapping/>
   </p:clrMapOvr>
-  <mc:AlternateContent xmlns:mc="http://schemas.openxmlformats.org/markup-compatibility/2006">
-    <mc:Choice xmlns:p14="http://schemas.microsoft.com/office/powerpoint/2010/main" Requires="p14">
+  <mc:AlternateContent xmlns:mc="http://schemas.openxmlformats.org/markup-compatibility/2006" xmlns:p14="http://schemas.microsoft.com/office/powerpoint/2010/main">
+    <mc:Choice Requires="p14">
       <p:transition spd="med" p14:dur="700">
         <p:fade/>
       </p:transition>
     </mc:Choice>
-    <mc:Fallback>
+    <mc:Fallback xmlns="">
       <p:transition spd="med">
         <p:fade/>
       </p:transition>
@@ -10011,13 +10089,13 @@
   <p:clrMapOvr>
     <a:masterClrMapping/>
   </p:clrMapOvr>
-  <mc:AlternateContent xmlns:mc="http://schemas.openxmlformats.org/markup-compatibility/2006">
-    <mc:Choice xmlns:p14="http://schemas.microsoft.com/office/powerpoint/2010/main" Requires="p14">
+  <mc:AlternateContent xmlns:mc="http://schemas.openxmlformats.org/markup-compatibility/2006" xmlns:p14="http://schemas.microsoft.com/office/powerpoint/2010/main">
+    <mc:Choice Requires="p14">
       <p:transition spd="med" p14:dur="700">
         <p:fade/>
       </p:transition>
     </mc:Choice>
-    <mc:Fallback>
+    <mc:Fallback xmlns="">
       <p:transition spd="med">
         <p:fade/>
       </p:transition>
@@ -10129,13 +10207,13 @@
   <p:clrMapOvr>
     <a:masterClrMapping/>
   </p:clrMapOvr>
-  <mc:AlternateContent xmlns:mc="http://schemas.openxmlformats.org/markup-compatibility/2006">
-    <mc:Choice xmlns:p14="http://schemas.microsoft.com/office/powerpoint/2010/main" Requires="p14">
+  <mc:AlternateContent xmlns:mc="http://schemas.openxmlformats.org/markup-compatibility/2006" xmlns:p14="http://schemas.microsoft.com/office/powerpoint/2010/main">
+    <mc:Choice Requires="p14">
       <p:transition spd="med" p14:dur="700">
         <p:fade/>
       </p:transition>
     </mc:Choice>
-    <mc:Fallback>
+    <mc:Fallback xmlns="">
       <p:transition spd="med">
         <p:fade/>
       </p:transition>
@@ -10247,13 +10325,13 @@
   <p:clrMapOvr>
     <a:masterClrMapping/>
   </p:clrMapOvr>
-  <mc:AlternateContent xmlns:mc="http://schemas.openxmlformats.org/markup-compatibility/2006">
-    <mc:Choice xmlns:p14="http://schemas.microsoft.com/office/powerpoint/2010/main" Requires="p14">
+  <mc:AlternateContent xmlns:mc="http://schemas.openxmlformats.org/markup-compatibility/2006" xmlns:p14="http://schemas.microsoft.com/office/powerpoint/2010/main">
+    <mc:Choice Requires="p14">
       <p:transition spd="med" p14:dur="700">
         <p:fade/>
       </p:transition>
     </mc:Choice>
-    <mc:Fallback>
+    <mc:Fallback xmlns="">
       <p:transition spd="med">
         <p:fade/>
       </p:transition>
@@ -10392,13 +10470,13 @@
   <p:clrMapOvr>
     <a:masterClrMapping/>
   </p:clrMapOvr>
-  <mc:AlternateContent xmlns:mc="http://schemas.openxmlformats.org/markup-compatibility/2006">
-    <mc:Choice xmlns:p14="http://schemas.microsoft.com/office/powerpoint/2010/main" Requires="p14">
+  <mc:AlternateContent xmlns:mc="http://schemas.openxmlformats.org/markup-compatibility/2006" xmlns:p14="http://schemas.microsoft.com/office/powerpoint/2010/main">
+    <mc:Choice Requires="p14">
       <p:transition spd="med" p14:dur="700">
         <p:fade/>
       </p:transition>
     </mc:Choice>
-    <mc:Fallback>
+    <mc:Fallback xmlns="">
       <p:transition spd="med">
         <p:fade/>
       </p:transition>
@@ -10494,13 +10572,13 @@
   <p:clrMapOvr>
     <a:masterClrMapping/>
   </p:clrMapOvr>
-  <mc:AlternateContent xmlns:mc="http://schemas.openxmlformats.org/markup-compatibility/2006">
-    <mc:Choice xmlns:p14="http://schemas.microsoft.com/office/powerpoint/2010/main" Requires="p14">
+  <mc:AlternateContent xmlns:mc="http://schemas.openxmlformats.org/markup-compatibility/2006" xmlns:p14="http://schemas.microsoft.com/office/powerpoint/2010/main">
+    <mc:Choice Requires="p14">
       <p:transition spd="med" p14:dur="700">
         <p:fade/>
       </p:transition>
     </mc:Choice>
-    <mc:Fallback>
+    <mc:Fallback xmlns="">
       <p:transition spd="med">
         <p:fade/>
       </p:transition>
@@ -10625,13 +10703,13 @@
   <p:clrMapOvr>
     <a:masterClrMapping/>
   </p:clrMapOvr>
-  <mc:AlternateContent xmlns:mc="http://schemas.openxmlformats.org/markup-compatibility/2006">
-    <mc:Choice xmlns:p14="http://schemas.microsoft.com/office/powerpoint/2010/main" Requires="p14">
+  <mc:AlternateContent xmlns:mc="http://schemas.openxmlformats.org/markup-compatibility/2006" xmlns:p14="http://schemas.microsoft.com/office/powerpoint/2010/main">
+    <mc:Choice Requires="p14">
       <p:transition spd="med" p14:dur="700">
         <p:fade/>
       </p:transition>
     </mc:Choice>
-    <mc:Fallback>
+    <mc:Fallback xmlns="">
       <p:transition spd="med">
         <p:fade/>
       </p:transition>
